--- a/lessons/session10/Session_10.pptx
+++ b/lessons/session10/Session_10.pptx
@@ -3420,7 +3420,15 @@
             <a:pPr algn="ctr"/>
             <a:r>
               <a:rPr lang="en-US" sz="5400" b="1" dirty="0"/>
-              <a:t>git checkout –b lesson10 origin/</a:t>
+              <a:t>git </a:t>
+            </a:r>
+            <a:r>
+              <a:rPr lang="en-US" sz="5400" b="1"/>
+              <a:t>checkout -b </a:t>
+            </a:r>
+            <a:r>
+              <a:rPr lang="en-US" sz="5400" b="1" dirty="0"/>
+              <a:t>lesson10 origin/</a:t>
             </a:r>
             <a:r>
               <a:rPr lang="en-US" sz="5400" b="1" dirty="0" err="1"/>
